--- a/Material del curso/Primera semana/Curso.pptx
+++ b/Material del curso/Primera semana/Curso.pptx
@@ -1003,7 +1003,7 @@
           <a:p>
             <a:fld id="{7F8E3347-EFDA-483A-9E95-BDA4F3B6010F}" type="datetimeFigureOut">
               <a:rPr lang="en-US" smtClean="0"/>
-              <a:t>8/9/21</a:t>
+              <a:t>1/25/22</a:t>
             </a:fld>
             <a:endParaRPr lang="en-US"/>
           </a:p>
@@ -1229,7 +1229,7 @@
           <a:p>
             <a:fld id="{7F8E3347-EFDA-483A-9E95-BDA4F3B6010F}" type="datetimeFigureOut">
               <a:rPr lang="en-US" smtClean="0"/>
-              <a:t>8/9/21</a:t>
+              <a:t>1/25/22</a:t>
             </a:fld>
             <a:endParaRPr lang="en-US"/>
           </a:p>
@@ -1503,7 +1503,7 @@
           <a:p>
             <a:fld id="{7F8E3347-EFDA-483A-9E95-BDA4F3B6010F}" type="datetimeFigureOut">
               <a:rPr lang="en-US" smtClean="0"/>
-              <a:t>8/9/21</a:t>
+              <a:t>1/25/22</a:t>
             </a:fld>
             <a:endParaRPr lang="en-US"/>
           </a:p>
@@ -1691,7 +1691,7 @@
           <a:p>
             <a:fld id="{7F8E3347-EFDA-483A-9E95-BDA4F3B6010F}" type="datetimeFigureOut">
               <a:rPr lang="en-US" smtClean="0"/>
-              <a:t>8/9/21</a:t>
+              <a:t>1/25/22</a:t>
             </a:fld>
             <a:endParaRPr lang="en-US"/>
           </a:p>
@@ -2044,7 +2044,7 @@
           <a:p>
             <a:fld id="{7F8E3347-EFDA-483A-9E95-BDA4F3B6010F}" type="datetimeFigureOut">
               <a:rPr lang="en-US" smtClean="0"/>
-              <a:t>8/9/21</a:t>
+              <a:t>1/25/22</a:t>
             </a:fld>
             <a:endParaRPr lang="en-US"/>
           </a:p>
@@ -2337,7 +2337,7 @@
           <a:p>
             <a:fld id="{7F8E3347-EFDA-483A-9E95-BDA4F3B6010F}" type="datetimeFigureOut">
               <a:rPr lang="en-US" smtClean="0"/>
-              <a:t>8/9/21</a:t>
+              <a:t>1/25/22</a:t>
             </a:fld>
             <a:endParaRPr lang="en-US"/>
           </a:p>
@@ -2734,7 +2734,7 @@
           <a:p>
             <a:fld id="{7F8E3347-EFDA-483A-9E95-BDA4F3B6010F}" type="datetimeFigureOut">
               <a:rPr lang="en-US" smtClean="0"/>
-              <a:t>8/9/21</a:t>
+              <a:t>1/25/22</a:t>
             </a:fld>
             <a:endParaRPr lang="en-US"/>
           </a:p>
@@ -2870,7 +2870,7 @@
           <a:p>
             <a:fld id="{7F8E3347-EFDA-483A-9E95-BDA4F3B6010F}" type="datetimeFigureOut">
               <a:rPr lang="en-US" smtClean="0"/>
-              <a:t>8/9/21</a:t>
+              <a:t>1/25/22</a:t>
             </a:fld>
             <a:endParaRPr lang="en-US"/>
           </a:p>
@@ -3059,7 +3059,7 @@
           <a:p>
             <a:fld id="{7F8E3347-EFDA-483A-9E95-BDA4F3B6010F}" type="datetimeFigureOut">
               <a:rPr lang="en-US" smtClean="0"/>
-              <a:t>8/9/21</a:t>
+              <a:t>1/25/22</a:t>
             </a:fld>
             <a:endParaRPr lang="en-US"/>
           </a:p>
@@ -3431,7 +3431,7 @@
           <a:p>
             <a:fld id="{7F8E3347-EFDA-483A-9E95-BDA4F3B6010F}" type="datetimeFigureOut">
               <a:rPr lang="en-US" smtClean="0"/>
-              <a:t>8/9/21</a:t>
+              <a:t>1/25/22</a:t>
             </a:fld>
             <a:endParaRPr lang="en-US"/>
           </a:p>
@@ -3826,7 +3826,7 @@
           <a:p>
             <a:fld id="{7F8E3347-EFDA-483A-9E95-BDA4F3B6010F}" type="datetimeFigureOut">
               <a:rPr lang="en-US" smtClean="0"/>
-              <a:t>8/9/21</a:t>
+              <a:t>1/25/22</a:t>
             </a:fld>
             <a:endParaRPr lang="en-US"/>
           </a:p>
@@ -4131,7 +4131,7 @@
           <a:p>
             <a:fld id="{7F8E3347-EFDA-483A-9E95-BDA4F3B6010F}" type="datetimeFigureOut">
               <a:rPr lang="en-US" smtClean="0"/>
-              <a:t>8/9/21</a:t>
+              <a:t>1/25/22</a:t>
             </a:fld>
             <a:endParaRPr lang="en-US"/>
           </a:p>
@@ -4754,9 +4754,10 @@
               <a:t>I</a:t>
             </a:r>
             <a:r>
-              <a:rPr lang="es" b="1" dirty="0"/>
-              <a:t>ngeniría de sistemas</a:t>
-            </a:r>
+              <a:rPr lang="es" b="1"/>
+              <a:t>ngeniría TELEMÁTICA</a:t>
+            </a:r>
+            <a:endParaRPr lang="es" b="1" dirty="0"/>
           </a:p>
           <a:p>
             <a:pPr marL="0" lvl="0" indent="0">
